--- a/Apresentação_PPT - Apresentar.pptx
+++ b/Apresentação_PPT - Apresentar.pptx
@@ -162,7 +162,7 @@
   </p:defaultTextStyle>
   <p:extLst>
     <p:ext uri="{EFAFB233-063F-42B5-8137-9DF3F51BA10A}">
-      <p15:sldGuideLst xmlns:p15="http://schemas.microsoft.com/office/powerpoint/2012/main" xmlns="">
+      <p15:sldGuideLst xmlns="" xmlns:p15="http://schemas.microsoft.com/office/powerpoint/2012/main">
         <p15:guide id="1" orient="horz" pos="2160">
           <p15:clr>
             <a:srgbClr val="A4A3A4"/>
@@ -262,7 +262,7 @@
             <a:fld id="{24518117-2BFA-4AA4-80F1-4EA246DAF033}" type="datetimeFigureOut">
               <a:rPr lang="pt-BR" smtClean="0"/>
               <a:pPr/>
-              <a:t>16/12/2019</a:t>
+              <a:t>17/12/2019</a:t>
             </a:fld>
             <a:endParaRPr lang="pt-BR"/>
           </a:p>
@@ -905,7 +905,7 @@
           <a:p>
             <a:fld id="{B4C5F0F8-D682-4E87-83AA-67CD3977EE44}" type="datetime1">
               <a:rPr lang="pt-BR" smtClean="0"/>
-              <a:t>16/12/2019</a:t>
+              <a:t>17/12/2019</a:t>
             </a:fld>
             <a:endParaRPr lang="pt-BR"/>
           </a:p>
@@ -1075,7 +1075,7 @@
           <a:p>
             <a:fld id="{9FD068B7-2DF7-41DF-B5D0-4EF1D68E9ADA}" type="datetime1">
               <a:rPr lang="pt-BR" smtClean="0"/>
-              <a:t>16/12/2019</a:t>
+              <a:t>17/12/2019</a:t>
             </a:fld>
             <a:endParaRPr lang="pt-BR"/>
           </a:p>
@@ -1255,7 +1255,7 @@
           <a:p>
             <a:fld id="{40007C23-BDD9-4F60-BB4C-401BE9A1B3B7}" type="datetime1">
               <a:rPr lang="pt-BR" smtClean="0"/>
-              <a:t>16/12/2019</a:t>
+              <a:t>17/12/2019</a:t>
             </a:fld>
             <a:endParaRPr lang="pt-BR"/>
           </a:p>
@@ -1425,7 +1425,7 @@
           <a:p>
             <a:fld id="{68237C2B-F1AD-4D73-8F96-A4F76B7BB2A7}" type="datetime1">
               <a:rPr lang="pt-BR" smtClean="0"/>
-              <a:t>16/12/2019</a:t>
+              <a:t>17/12/2019</a:t>
             </a:fld>
             <a:endParaRPr lang="pt-BR"/>
           </a:p>
@@ -1671,7 +1671,7 @@
           <a:p>
             <a:fld id="{8D4934AC-D8AE-4F76-A06C-588FB0CF0D8A}" type="datetime1">
               <a:rPr lang="pt-BR" smtClean="0"/>
-              <a:t>16/12/2019</a:t>
+              <a:t>17/12/2019</a:t>
             </a:fld>
             <a:endParaRPr lang="pt-BR"/>
           </a:p>
@@ -1959,7 +1959,7 @@
           <a:p>
             <a:fld id="{C56FFEB9-335B-4E1E-8425-0BD7AA41122E}" type="datetime1">
               <a:rPr lang="pt-BR" smtClean="0"/>
-              <a:t>16/12/2019</a:t>
+              <a:t>17/12/2019</a:t>
             </a:fld>
             <a:endParaRPr lang="pt-BR"/>
           </a:p>
@@ -2393,7 +2393,7 @@
           <a:p>
             <a:fld id="{1BF70063-4DD5-4095-AD58-142430E22B2E}" type="datetime1">
               <a:rPr lang="pt-BR" smtClean="0"/>
-              <a:t>16/12/2019</a:t>
+              <a:t>17/12/2019</a:t>
             </a:fld>
             <a:endParaRPr lang="pt-BR"/>
           </a:p>
@@ -2511,7 +2511,7 @@
           <a:p>
             <a:fld id="{0CDC1413-D4DC-4DF0-A703-70D692EE30B0}" type="datetime1">
               <a:rPr lang="pt-BR" smtClean="0"/>
-              <a:t>16/12/2019</a:t>
+              <a:t>17/12/2019</a:t>
             </a:fld>
             <a:endParaRPr lang="pt-BR"/>
           </a:p>
@@ -2606,7 +2606,7 @@
           <a:p>
             <a:fld id="{F5B442D0-DA8C-43CE-BA77-665D93CAC064}" type="datetime1">
               <a:rPr lang="pt-BR" smtClean="0"/>
-              <a:t>16/12/2019</a:t>
+              <a:t>17/12/2019</a:t>
             </a:fld>
             <a:endParaRPr lang="pt-BR"/>
           </a:p>
@@ -2800,7 +2800,7 @@
           <a:p>
             <a:fld id="{70F00A9A-B89F-4D32-A950-2CF6DA7A243E}" type="datetime1">
               <a:rPr lang="pt-BR" smtClean="0"/>
-              <a:t>16/12/2019</a:t>
+              <a:t>17/12/2019</a:t>
             </a:fld>
             <a:endParaRPr lang="pt-BR"/>
           </a:p>
@@ -3123,7 +3123,7 @@
           <a:p>
             <a:fld id="{419B4094-E8B0-4283-A6AD-FFFC696780D6}" type="datetime1">
               <a:rPr lang="pt-BR" smtClean="0"/>
-              <a:t>16/12/2019</a:t>
+              <a:t>17/12/2019</a:t>
             </a:fld>
             <a:endParaRPr lang="pt-BR"/>
           </a:p>
@@ -3512,7 +3512,7 @@
           <a:p>
             <a:fld id="{4CFE2B48-EC0E-45DF-8CB1-8E2EAFFC15AC}" type="datetime1">
               <a:rPr lang="pt-BR" smtClean="0"/>
-              <a:t>16/12/2019</a:t>
+              <a:t>17/12/2019</a:t>
             </a:fld>
             <a:endParaRPr lang="pt-BR"/>
           </a:p>
@@ -11931,11 +11931,7 @@
             <a:pPr indent="-342900"/>
             <a:r>
               <a:rPr lang="pt-BR" sz="2400" dirty="0" smtClean="0"/>
-              <a:t>Há </a:t>
-            </a:r>
-            <a:r>
-              <a:rPr lang="pt-BR" sz="2400" dirty="0" smtClean="0"/>
-              <a:t>falhas nos dados devido ao processo manual de transferência.</a:t>
+              <a:t>Há falhas nos dados devido ao processo manual de transferência.</a:t>
             </a:r>
           </a:p>
           <a:p>
@@ -20255,7 +20251,7 @@
       </p:sp>
       <p:pic>
         <p:nvPicPr>
-          <p:cNvPr id="1027" name="Picture 3"/>
+          <p:cNvPr id="1026" name="Picture 2"/>
           <p:cNvPicPr>
             <a:picLocks noChangeAspect="1" noChangeArrowheads="1"/>
           </p:cNvPicPr>
@@ -20276,8 +20272,8 @@
         </p:blipFill>
         <p:spPr bwMode="auto">
           <a:xfrm>
-            <a:off x="583886" y="1266563"/>
-            <a:ext cx="6063655" cy="5523438"/>
+            <a:off x="661080" y="1284706"/>
+            <a:ext cx="6030006" cy="5517510"/>
           </a:xfrm>
           <a:prstGeom prst="rect">
             <a:avLst/>
@@ -28078,7 +28074,7 @@
   <a:extraClrSchemeLst/>
   <a:extLst>
     <a:ext uri="{05A4C25C-085E-4340-85A3-A5531E510DB2}">
-      <thm15:themeFamily xmlns:thm15="http://schemas.microsoft.com/office/thememl/2012/main" xmlns="" name="Office Theme" id="{62F939B6-93AF-4DB8-9C6B-D6C7DFDC589F}" vid="{4A3C46E8-61CC-4603-A589-7422A47A8E4A}"/>
+      <thm15:themeFamily xmlns="" xmlns:thm15="http://schemas.microsoft.com/office/thememl/2012/main" name="Office Theme" id="{62F939B6-93AF-4DB8-9C6B-D6C7DFDC589F}" vid="{4A3C46E8-61CC-4603-A589-7422A47A8E4A}"/>
     </a:ext>
   </a:extLst>
 </a:theme>
